--- a/Getting_started/downloads/Group Project Presentation Template.pptx
+++ b/Getting_started/downloads/Group Project Presentation Template.pptx
@@ -5,10 +5,10 @@
     <p:sldMasterId id="2147483924" r:id="rId1"/>
   </p:sldMasterIdLst>
   <p:notesMasterIdLst>
-    <p:notesMasterId r:id="rId11"/>
+    <p:notesMasterId r:id="rId12"/>
   </p:notesMasterIdLst>
   <p:handoutMasterIdLst>
-    <p:handoutMasterId r:id="rId12"/>
+    <p:handoutMasterId r:id="rId13"/>
   </p:handoutMasterIdLst>
   <p:sldIdLst>
     <p:sldId id="268" r:id="rId2"/>
@@ -17,9 +17,10 @@
     <p:sldId id="271" r:id="rId5"/>
     <p:sldId id="273" r:id="rId6"/>
     <p:sldId id="272" r:id="rId7"/>
-    <p:sldId id="274" r:id="rId8"/>
-    <p:sldId id="278" r:id="rId9"/>
-    <p:sldId id="279" r:id="rId10"/>
+    <p:sldId id="280" r:id="rId8"/>
+    <p:sldId id="274" r:id="rId9"/>
+    <p:sldId id="278" r:id="rId10"/>
+    <p:sldId id="279" r:id="rId11"/>
   </p:sldIdLst>
   <p:sldSz cx="12188825" cy="6858000"/>
   <p:notesSz cx="6858000" cy="9144000"/>
@@ -166,6 +167,43 @@
 </p:presentation>
 </file>
 
+<file path=ppt/changesInfos/changesInfo1.xml><?xml version="1.0" encoding="utf-8"?>
+<pc:chgInfo xmlns:a="http://schemas.openxmlformats.org/drawingml/2006/main" xmlns:r="http://schemas.openxmlformats.org/officeDocument/2006/relationships" xmlns:ac="http://schemas.microsoft.com/office/drawing/2013/main/command" xmlns:pc="http://schemas.microsoft.com/office/powerpoint/2013/main/command">
+  <pc:docChgLst>
+    <pc:chgData name="John Lee" userId="0fa132752ce4f414" providerId="LiveId" clId="{12ABC486-F644-4646-9228-930434B2B8BF}"/>
+    <pc:docChg chg="addSld modSld">
+      <pc:chgData name="John Lee" userId="0fa132752ce4f414" providerId="LiveId" clId="{12ABC486-F644-4646-9228-930434B2B8BF}" dt="2024-03-26T21:41:58.770" v="315" actId="20577"/>
+      <pc:docMkLst>
+        <pc:docMk/>
+      </pc:docMkLst>
+      <pc:sldChg chg="modSp add mod">
+        <pc:chgData name="John Lee" userId="0fa132752ce4f414" providerId="LiveId" clId="{12ABC486-F644-4646-9228-930434B2B8BF}" dt="2024-03-26T21:41:58.770" v="315" actId="20577"/>
+        <pc:sldMkLst>
+          <pc:docMk/>
+          <pc:sldMk cId="1655357902" sldId="280"/>
+        </pc:sldMkLst>
+        <pc:spChg chg="mod">
+          <ac:chgData name="John Lee" userId="0fa132752ce4f414" providerId="LiveId" clId="{12ABC486-F644-4646-9228-930434B2B8BF}" dt="2024-03-26T21:41:56.138" v="314" actId="20577"/>
+          <ac:spMkLst>
+            <pc:docMk/>
+            <pc:sldMk cId="1655357902" sldId="280"/>
+            <ac:spMk id="2" creationId="{00000000-0000-0000-0000-000000000000}"/>
+          </ac:spMkLst>
+        </pc:spChg>
+        <pc:spChg chg="mod">
+          <ac:chgData name="John Lee" userId="0fa132752ce4f414" providerId="LiveId" clId="{12ABC486-F644-4646-9228-930434B2B8BF}" dt="2024-03-26T21:41:58.770" v="315" actId="20577"/>
+          <ac:spMkLst>
+            <pc:docMk/>
+            <pc:sldMk cId="1655357902" sldId="280"/>
+            <ac:spMk id="3" creationId="{00000000-0000-0000-0000-000000000000}"/>
+          </ac:spMkLst>
+        </pc:spChg>
+      </pc:sldChg>
+    </pc:docChg>
+  </pc:docChgLst>
+</pc:chgInfo>
+</file>
+
 <file path=ppt/handoutMasters/handoutMaster1.xml><?xml version="1.0" encoding="utf-8"?>
 <p:handoutMaster xmlns:a="http://schemas.openxmlformats.org/drawingml/2006/main" xmlns:r="http://schemas.openxmlformats.org/officeDocument/2006/relationships" xmlns:p="http://schemas.openxmlformats.org/presentationml/2006/main">
   <p:cSld>
@@ -248,7 +286,7 @@
           <a:p>
             <a:fld id="{BEA74EB7-856E-45FD-83F0-5F7C6F3E4372}" type="datetimeFigureOut">
               <a:rPr lang="en-US"/>
-              <a:t>11/13/2022</a:t>
+              <a:t>3/26/2024</a:t>
             </a:fld>
             <a:endParaRPr dirty="0"/>
           </a:p>
@@ -413,7 +451,7 @@
           <a:p>
             <a:fld id="{C61B0E40-8125-41F8-BB6C-139D8D531A4F}" type="datetimeFigureOut">
               <a:rPr lang="en-US"/>
-              <a:t>11/13/2022</a:t>
+              <a:t>3/26/2024</a:t>
             </a:fld>
             <a:endParaRPr dirty="0"/>
           </a:p>
@@ -1253,7 +1291,7 @@
     </p:spTree>
     <p:extLst>
       <p:ext uri="{BB962C8B-B14F-4D97-AF65-F5344CB8AC3E}">
-        <p14:creationId xmlns:p14="http://schemas.microsoft.com/office/powerpoint/2010/main" val="1169345696"/>
+        <p14:creationId xmlns:p14="http://schemas.microsoft.com/office/powerpoint/2010/main" val="4183992980"/>
       </p:ext>
     </p:extLst>
   </p:cSld>
@@ -1307,7 +1345,7 @@
           <a:bodyPr/>
           <a:lstStyle/>
           <a:p>
-            <a:endParaRPr lang="en-US" dirty="0"/>
+            <a:endParaRPr lang="en-US"/>
           </a:p>
         </p:txBody>
       </p:sp>
@@ -1329,6 +1367,90 @@
             <a:fld id="{BF105DB2-FD3E-441D-8B7E-7AE83ECE27B3}" type="slidenum">
               <a:rPr lang="en-US" smtClean="0"/>
               <a:t>8</a:t>
+            </a:fld>
+            <a:endParaRPr lang="en-US" dirty="0"/>
+          </a:p>
+        </p:txBody>
+      </p:sp>
+    </p:spTree>
+    <p:extLst>
+      <p:ext uri="{BB962C8B-B14F-4D97-AF65-F5344CB8AC3E}">
+        <p14:creationId xmlns:p14="http://schemas.microsoft.com/office/powerpoint/2010/main" val="1169345696"/>
+      </p:ext>
+    </p:extLst>
+  </p:cSld>
+  <p:clrMapOvr>
+    <a:masterClrMapping/>
+  </p:clrMapOvr>
+</p:notes>
+</file>
+
+<file path=ppt/notesSlides/notesSlide9.xml><?xml version="1.0" encoding="utf-8"?>
+<p:notes xmlns:a="http://schemas.openxmlformats.org/drawingml/2006/main" xmlns:r="http://schemas.openxmlformats.org/officeDocument/2006/relationships" xmlns:p="http://schemas.openxmlformats.org/presentationml/2006/main">
+  <p:cSld>
+    <p:spTree>
+      <p:nvGrpSpPr>
+        <p:cNvPr id="1" name=""/>
+        <p:cNvGrpSpPr/>
+        <p:nvPr/>
+      </p:nvGrpSpPr>
+      <p:grpSpPr>
+        <a:xfrm>
+          <a:off x="0" y="0"/>
+          <a:ext cx="0" cy="0"/>
+          <a:chOff x="0" y="0"/>
+          <a:chExt cx="0" cy="0"/>
+        </a:xfrm>
+      </p:grpSpPr>
+      <p:sp>
+        <p:nvSpPr>
+          <p:cNvPr id="2" name="Slide Image Placeholder 1"/>
+          <p:cNvSpPr>
+            <a:spLocks noGrp="1" noRot="1" noChangeAspect="1"/>
+          </p:cNvSpPr>
+          <p:nvPr>
+            <p:ph type="sldImg"/>
+          </p:nvPr>
+        </p:nvSpPr>
+        <p:spPr/>
+      </p:sp>
+      <p:sp>
+        <p:nvSpPr>
+          <p:cNvPr id="3" name="Notes Placeholder 2"/>
+          <p:cNvSpPr>
+            <a:spLocks noGrp="1"/>
+          </p:cNvSpPr>
+          <p:nvPr>
+            <p:ph type="body" idx="1"/>
+          </p:nvPr>
+        </p:nvSpPr>
+        <p:spPr/>
+        <p:txBody>
+          <a:bodyPr/>
+          <a:lstStyle/>
+          <a:p>
+            <a:endParaRPr lang="en-US" dirty="0"/>
+          </a:p>
+        </p:txBody>
+      </p:sp>
+      <p:sp>
+        <p:nvSpPr>
+          <p:cNvPr id="4" name="Slide Number Placeholder 3"/>
+          <p:cNvSpPr>
+            <a:spLocks noGrp="1"/>
+          </p:cNvSpPr>
+          <p:nvPr>
+            <p:ph type="sldNum" sz="quarter" idx="10"/>
+          </p:nvPr>
+        </p:nvSpPr>
+        <p:spPr/>
+        <p:txBody>
+          <a:bodyPr/>
+          <a:lstStyle/>
+          <a:p>
+            <a:fld id="{BF105DB2-FD3E-441D-8B7E-7AE83ECE27B3}" type="slidenum">
+              <a:rPr lang="en-US" smtClean="0"/>
+              <a:t>9</a:t>
             </a:fld>
             <a:endParaRPr lang="en-US" dirty="0"/>
           </a:p>
@@ -1925,7 +2047,7 @@
           <a:p>
             <a:fld id="{333B76B7-5811-4114-8A95-998148FFD529}" type="datetime1">
               <a:rPr lang="en-US" smtClean="0"/>
-              <a:t>11/13/2022</a:t>
+              <a:t>3/26/2024</a:t>
             </a:fld>
             <a:endParaRPr lang="en-US" dirty="0"/>
           </a:p>
@@ -2127,7 +2249,7 @@
           <a:p>
             <a:fld id="{175C077A-EF7A-41AA-8976-110EB7416C60}" type="datetime1">
               <a:rPr lang="en-US" smtClean="0"/>
-              <a:t>11/13/2022</a:t>
+              <a:t>3/26/2024</a:t>
             </a:fld>
             <a:endParaRPr lang="en-US" dirty="0"/>
           </a:p>
@@ -2339,7 +2461,7 @@
           <a:p>
             <a:fld id="{CFF5912B-6681-4BDF-AE10-F59636249FF3}" type="datetime1">
               <a:rPr lang="en-US" smtClean="0"/>
-              <a:t>11/13/2022</a:t>
+              <a:t>3/26/2024</a:t>
             </a:fld>
             <a:endParaRPr lang="en-US" dirty="0"/>
           </a:p>
@@ -2531,7 +2653,7 @@
           <a:p>
             <a:fld id="{905C8E22-D0BA-4CB4-9C32-B27533199514}" type="datetime1">
               <a:rPr lang="en-US" smtClean="0"/>
-              <a:t>11/13/2022</a:t>
+              <a:t>3/26/2024</a:t>
             </a:fld>
             <a:endParaRPr dirty="0"/>
           </a:p>
@@ -2723,7 +2845,7 @@
           <a:p>
             <a:fld id="{FC2180A9-7A83-412D-A8AC-5AF60A8AA507}" type="datetime1">
               <a:rPr lang="en-US" smtClean="0"/>
-              <a:t>11/13/2022</a:t>
+              <a:t>3/26/2024</a:t>
             </a:fld>
             <a:endParaRPr lang="en-US" dirty="0"/>
           </a:p>
@@ -3006,7 +3128,7 @@
           <a:p>
             <a:fld id="{6A563DF0-FDDF-4143-9D8C-6AF41892E174}" type="datetime1">
               <a:rPr lang="en-US" smtClean="0"/>
-              <a:t>11/13/2022</a:t>
+              <a:t>3/26/2024</a:t>
             </a:fld>
             <a:endParaRPr lang="en-US" dirty="0"/>
           </a:p>
@@ -3322,7 +3444,7 @@
           <a:p>
             <a:fld id="{38BB83F9-4677-4C31-8407-7919061A580B}" type="datetime1">
               <a:rPr lang="en-US" smtClean="0"/>
-              <a:t>11/13/2022</a:t>
+              <a:t>3/26/2024</a:t>
             </a:fld>
             <a:endParaRPr lang="en-US" dirty="0"/>
           </a:p>
@@ -3774,7 +3896,7 @@
           <a:p>
             <a:fld id="{C33939A6-3450-434F-A872-BEE63F7EB093}" type="datetime1">
               <a:rPr lang="en-US" smtClean="0"/>
-              <a:t>11/13/2022</a:t>
+              <a:t>3/26/2024</a:t>
             </a:fld>
             <a:endParaRPr lang="en-US" dirty="0"/>
           </a:p>
@@ -3908,7 +4030,7 @@
           <a:p>
             <a:fld id="{E3BABB1C-FA00-4171-BA31-4C5E719472F3}" type="datetime1">
               <a:rPr lang="en-US" smtClean="0"/>
-              <a:t>11/13/2022</a:t>
+              <a:t>3/26/2024</a:t>
             </a:fld>
             <a:endParaRPr lang="en-US" dirty="0"/>
           </a:p>
@@ -4169,7 +4291,7 @@
           <a:p>
             <a:fld id="{D76C8610-5B57-4C6B-BF9F-F5397A1F60B8}" type="datetime1">
               <a:rPr lang="en-US" smtClean="0"/>
-              <a:t>11/13/2022</a:t>
+              <a:t>3/26/2024</a:t>
             </a:fld>
             <a:endParaRPr lang="en-US" dirty="0"/>
           </a:p>
@@ -4520,7 +4642,7 @@
           <a:p>
             <a:fld id="{BADBF3DD-8B6D-46AA-BCA9-242D4EF63DDF}" type="datetime1">
               <a:rPr lang="en-US" smtClean="0"/>
-              <a:t>11/13/2022</a:t>
+              <a:t>3/26/2024</a:t>
             </a:fld>
             <a:endParaRPr lang="en-US" dirty="0"/>
           </a:p>
@@ -4859,7 +4981,7 @@
           <a:p>
             <a:fld id="{23C41AE9-3D4A-4A08-B03D-DC6D2ADF5464}" type="datetime1">
               <a:rPr lang="en-US" smtClean="0"/>
-              <a:t>11/13/2022</a:t>
+              <a:t>3/26/2024</a:t>
             </a:fld>
             <a:endParaRPr lang="en-US" dirty="0"/>
           </a:p>
@@ -5406,7 +5528,7 @@
             <a:fld id="{5C6E67D0-0200-42BE-A0B2-78C70FBBB312}" type="datetime1">
               <a:rPr lang="en-US" smtClean="0"/>
               <a:pPr/>
-              <a:t>11/13/2022</a:t>
+              <a:t>3/26/2024</a:t>
             </a:fld>
             <a:endParaRPr lang="en-US" dirty="0"/>
           </a:p>
@@ -5894,6 +6016,105 @@
 </p:sld>
 </file>
 
+<file path=ppt/slides/slide10.xml><?xml version="1.0" encoding="utf-8"?>
+<p:sld xmlns:a="http://schemas.openxmlformats.org/drawingml/2006/main" xmlns:r="http://schemas.openxmlformats.org/officeDocument/2006/relationships" xmlns:p="http://schemas.openxmlformats.org/presentationml/2006/main">
+  <p:cSld>
+    <p:spTree>
+      <p:nvGrpSpPr>
+        <p:cNvPr id="1" name=""/>
+        <p:cNvGrpSpPr/>
+        <p:nvPr/>
+      </p:nvGrpSpPr>
+      <p:grpSpPr>
+        <a:xfrm>
+          <a:off x="0" y="0"/>
+          <a:ext cx="0" cy="0"/>
+          <a:chOff x="0" y="0"/>
+          <a:chExt cx="0" cy="0"/>
+        </a:xfrm>
+      </p:grpSpPr>
+      <p:sp>
+        <p:nvSpPr>
+          <p:cNvPr id="2" name="Title 1">
+            <a:extLst>
+              <a:ext uri="{FF2B5EF4-FFF2-40B4-BE49-F238E27FC236}">
+                <a16:creationId xmlns:a16="http://schemas.microsoft.com/office/drawing/2014/main" id="{33FA5385-8868-F65B-29B1-BCE7A49EFD8B}"/>
+              </a:ext>
+            </a:extLst>
+          </p:cNvPr>
+          <p:cNvSpPr>
+            <a:spLocks noGrp="1"/>
+          </p:cNvSpPr>
+          <p:nvPr>
+            <p:ph type="title"/>
+          </p:nvPr>
+        </p:nvSpPr>
+        <p:spPr/>
+        <p:txBody>
+          <a:bodyPr/>
+          <a:lstStyle/>
+          <a:p>
+            <a:r>
+              <a:rPr lang="en-US" dirty="0"/>
+              <a:t>Questions?</a:t>
+            </a:r>
+          </a:p>
+        </p:txBody>
+      </p:sp>
+      <p:pic>
+        <p:nvPicPr>
+          <p:cNvPr id="5" name="Content Placeholder 4">
+            <a:extLst>
+              <a:ext uri="{FF2B5EF4-FFF2-40B4-BE49-F238E27FC236}">
+                <a16:creationId xmlns:a16="http://schemas.microsoft.com/office/drawing/2014/main" id="{E5F85E22-F8A1-BE9B-CCB7-A6AA888F525E}"/>
+              </a:ext>
+            </a:extLst>
+          </p:cNvPr>
+          <p:cNvPicPr>
+            <a:picLocks noGrp="1" noChangeAspect="1"/>
+          </p:cNvPicPr>
+          <p:nvPr>
+            <p:ph idx="1"/>
+          </p:nvPr>
+        </p:nvPicPr>
+        <p:blipFill>
+          <a:blip r:embed="rId2"/>
+          <a:stretch>
+            <a:fillRect/>
+          </a:stretch>
+        </p:blipFill>
+        <p:spPr>
+          <a:xfrm>
+            <a:off x="4245769" y="1905000"/>
+            <a:ext cx="3697288" cy="3697288"/>
+          </a:xfrm>
+        </p:spPr>
+      </p:pic>
+    </p:spTree>
+    <p:extLst>
+      <p:ext uri="{BB962C8B-B14F-4D97-AF65-F5344CB8AC3E}">
+        <p14:creationId xmlns:p14="http://schemas.microsoft.com/office/powerpoint/2010/main" val="263344427"/>
+      </p:ext>
+    </p:extLst>
+  </p:cSld>
+  <p:clrMapOvr>
+    <a:masterClrMapping/>
+  </p:clrMapOvr>
+  <mc:AlternateContent xmlns:mc="http://schemas.openxmlformats.org/markup-compatibility/2006" xmlns:p14="http://schemas.microsoft.com/office/powerpoint/2010/main">
+    <mc:Choice Requires="p14">
+      <p:transition spd="med" p14:dur="700">
+        <p:fade/>
+      </p:transition>
+    </mc:Choice>
+    <mc:Fallback xmlns="">
+      <p:transition spd="med">
+        <p:fade/>
+      </p:transition>
+    </mc:Fallback>
+  </mc:AlternateContent>
+</p:sld>
+</file>
+
 <file path=ppt/slides/slide2.xml><?xml version="1.0" encoding="utf-8"?>
 <p:sld xmlns:a="http://schemas.openxmlformats.org/drawingml/2006/main" xmlns:r="http://schemas.openxmlformats.org/officeDocument/2006/relationships" xmlns:p="http://schemas.openxmlformats.org/presentationml/2006/main">
   <p:cSld>
@@ -6836,7 +7057,15 @@
           <a:p>
             <a:r>
               <a:rPr lang="en-US" dirty="0"/>
-              <a:t>Team Members</a:t>
+              <a:t>Document </a:t>
+            </a:r>
+            <a:r>
+              <a:rPr lang="en-US"/>
+              <a:t>One Error </a:t>
+            </a:r>
+            <a:r>
+              <a:rPr lang="en-US" dirty="0"/>
+              <a:t>Encountered	</a:t>
             </a:r>
           </a:p>
         </p:txBody>
@@ -6858,7 +7087,242 @@
           <a:p>
             <a:r>
               <a:rPr lang="en-US" dirty="0"/>
-              <a:t>List each team member and their contribution</a:t>
+              <a:t>Describe what the error was. Be specific to describe the error and how a user would have encountered it.</a:t>
+            </a:r>
+          </a:p>
+          <a:p>
+            <a:r>
+              <a:rPr lang="en-US" dirty="0"/>
+              <a:t>Describe what the team did to handle the error and prevent the program from running correctly</a:t>
+            </a:r>
+          </a:p>
+        </p:txBody>
+      </p:sp>
+      <p:sp>
+        <p:nvSpPr>
+          <p:cNvPr id="4" name="Text Placeholder 7"/>
+          <p:cNvSpPr txBox="1">
+            <a:spLocks/>
+          </p:cNvSpPr>
+          <p:nvPr/>
+        </p:nvSpPr>
+        <p:spPr>
+          <a:xfrm>
+            <a:off x="1539575" y="5715000"/>
+            <a:ext cx="9126838" cy="533400"/>
+          </a:xfrm>
+          <a:prstGeom prst="rect">
+            <a:avLst/>
+          </a:prstGeom>
+        </p:spPr>
+        <p:txBody>
+          <a:bodyPr anchor="b">
+            <a:normAutofit/>
+          </a:bodyPr>
+          <a:lstStyle>
+            <a:lvl1pPr marL="0" indent="0" algn="l" defTabSz="914400" rtl="0" eaLnBrk="1" latinLnBrk="0" hangingPunct="1">
+              <a:lnSpc>
+                <a:spcPct val="90000"/>
+              </a:lnSpc>
+              <a:spcBef>
+                <a:spcPts val="1800"/>
+              </a:spcBef>
+              <a:buClr>
+                <a:schemeClr val="tx1"/>
+              </a:buClr>
+              <a:buSzPct val="80000"/>
+              <a:buFont typeface="Wingdings" pitchFamily="2" charset="2"/>
+              <a:buNone/>
+              <a:defRPr sz="1800" kern="1200">
+                <a:solidFill>
+                  <a:schemeClr val="tx1"/>
+                </a:solidFill>
+                <a:latin typeface="+mn-lt"/>
+                <a:ea typeface="+mn-ea"/>
+                <a:cs typeface="+mn-cs"/>
+              </a:defRPr>
+            </a:lvl1pPr>
+            <a:lvl2pPr marL="320040" indent="0" algn="l" defTabSz="914400" rtl="0" eaLnBrk="1" latinLnBrk="0" hangingPunct="1">
+              <a:lnSpc>
+                <a:spcPct val="90000"/>
+              </a:lnSpc>
+              <a:spcBef>
+                <a:spcPts val="1000"/>
+              </a:spcBef>
+              <a:buClr>
+                <a:schemeClr val="tx1"/>
+              </a:buClr>
+              <a:buSzPct val="100000"/>
+              <a:buFont typeface="Arial" pitchFamily="34" charset="0"/>
+              <a:buNone/>
+              <a:defRPr sz="2000" kern="1200">
+                <a:solidFill>
+                  <a:schemeClr val="tx1"/>
+                </a:solidFill>
+                <a:latin typeface="+mn-lt"/>
+                <a:ea typeface="+mn-ea"/>
+                <a:cs typeface="+mn-cs"/>
+              </a:defRPr>
+            </a:lvl2pPr>
+            <a:lvl3pPr marL="594360" indent="0" algn="l" defTabSz="914400" rtl="0" eaLnBrk="1" latinLnBrk="0" hangingPunct="1">
+              <a:lnSpc>
+                <a:spcPct val="90000"/>
+              </a:lnSpc>
+              <a:spcBef>
+                <a:spcPts val="800"/>
+              </a:spcBef>
+              <a:buClr>
+                <a:schemeClr val="tx1"/>
+              </a:buClr>
+              <a:buSzPct val="80000"/>
+              <a:buFont typeface="Wingdings" pitchFamily="2" charset="2"/>
+              <a:buNone/>
+              <a:defRPr sz="1800" kern="1200">
+                <a:solidFill>
+                  <a:schemeClr val="tx1"/>
+                </a:solidFill>
+                <a:latin typeface="+mn-lt"/>
+                <a:ea typeface="+mn-ea"/>
+                <a:cs typeface="+mn-cs"/>
+              </a:defRPr>
+            </a:lvl3pPr>
+            <a:lvl4pPr marL="868680" indent="0" algn="l" defTabSz="914400" rtl="0" eaLnBrk="1" latinLnBrk="0" hangingPunct="1">
+              <a:lnSpc>
+                <a:spcPct val="90000"/>
+              </a:lnSpc>
+              <a:spcBef>
+                <a:spcPts val="800"/>
+              </a:spcBef>
+              <a:buClr>
+                <a:schemeClr val="tx1"/>
+              </a:buClr>
+              <a:buSzPct val="100000"/>
+              <a:buFont typeface="Arial" pitchFamily="34" charset="0"/>
+              <a:buNone/>
+              <a:defRPr sz="1600" kern="1200">
+                <a:solidFill>
+                  <a:schemeClr val="tx1"/>
+                </a:solidFill>
+                <a:latin typeface="+mn-lt"/>
+                <a:ea typeface="+mn-ea"/>
+                <a:cs typeface="+mn-cs"/>
+              </a:defRPr>
+            </a:lvl4pPr>
+            <a:lvl5pPr marL="1097280" indent="0" algn="l" defTabSz="914400" rtl="0" eaLnBrk="1" latinLnBrk="0" hangingPunct="1">
+              <a:lnSpc>
+                <a:spcPct val="90000"/>
+              </a:lnSpc>
+              <a:spcBef>
+                <a:spcPts val="800"/>
+              </a:spcBef>
+              <a:buClr>
+                <a:schemeClr val="tx1"/>
+              </a:buClr>
+              <a:buSzPct val="80000"/>
+              <a:buFont typeface="Wingdings" pitchFamily="2" charset="2"/>
+              <a:buNone/>
+              <a:defRPr sz="1600" kern="1200">
+                <a:solidFill>
+                  <a:schemeClr val="tx1"/>
+                </a:solidFill>
+                <a:latin typeface="+mn-lt"/>
+                <a:ea typeface="+mn-ea"/>
+                <a:cs typeface="+mn-cs"/>
+              </a:defRPr>
+            </a:lvl5pPr>
+            <a:lvl6pPr marL="1554480" indent="-228600" algn="l" defTabSz="914400" rtl="0" eaLnBrk="1" latinLnBrk="0" hangingPunct="1">
+              <a:lnSpc>
+                <a:spcPct val="90000"/>
+              </a:lnSpc>
+              <a:spcBef>
+                <a:spcPts val="800"/>
+              </a:spcBef>
+              <a:buClr>
+                <a:schemeClr val="tx1"/>
+              </a:buClr>
+              <a:buSzPct val="100000"/>
+              <a:buFont typeface="Arial" pitchFamily="34" charset="0"/>
+              <a:buChar char="–"/>
+              <a:defRPr sz="1600" kern="1200">
+                <a:solidFill>
+                  <a:schemeClr val="tx1"/>
+                </a:solidFill>
+                <a:latin typeface="+mn-lt"/>
+                <a:ea typeface="+mn-ea"/>
+                <a:cs typeface="+mn-cs"/>
+              </a:defRPr>
+            </a:lvl6pPr>
+            <a:lvl7pPr marL="1783080" indent="-228600" algn="l" defTabSz="914400" rtl="0" eaLnBrk="1" latinLnBrk="0" hangingPunct="1">
+              <a:lnSpc>
+                <a:spcPct val="90000"/>
+              </a:lnSpc>
+              <a:spcBef>
+                <a:spcPts val="800"/>
+              </a:spcBef>
+              <a:buClr>
+                <a:schemeClr val="tx1"/>
+              </a:buClr>
+              <a:buSzPct val="80000"/>
+              <a:buFont typeface="Wingdings" pitchFamily="2" charset="2"/>
+              <a:buChar char="§"/>
+              <a:defRPr sz="1600" kern="1200">
+                <a:solidFill>
+                  <a:schemeClr val="tx1"/>
+                </a:solidFill>
+                <a:latin typeface="+mn-lt"/>
+                <a:ea typeface="+mn-ea"/>
+                <a:cs typeface="+mn-cs"/>
+              </a:defRPr>
+            </a:lvl7pPr>
+            <a:lvl8pPr marL="2011680" indent="-228600" algn="l" defTabSz="914400" rtl="0" eaLnBrk="1" latinLnBrk="0" hangingPunct="1">
+              <a:lnSpc>
+                <a:spcPct val="90000"/>
+              </a:lnSpc>
+              <a:spcBef>
+                <a:spcPts val="800"/>
+              </a:spcBef>
+              <a:buClr>
+                <a:schemeClr val="tx1"/>
+              </a:buClr>
+              <a:buSzPct val="100000"/>
+              <a:buFont typeface="Arial" pitchFamily="34" charset="0"/>
+              <a:buChar char="–"/>
+              <a:defRPr sz="1600" kern="1200">
+                <a:solidFill>
+                  <a:schemeClr val="tx1"/>
+                </a:solidFill>
+                <a:latin typeface="+mn-lt"/>
+                <a:ea typeface="+mn-ea"/>
+                <a:cs typeface="+mn-cs"/>
+              </a:defRPr>
+            </a:lvl8pPr>
+            <a:lvl9pPr marL="2240280" indent="-228600" algn="l" defTabSz="914400" rtl="0" eaLnBrk="1" latinLnBrk="0" hangingPunct="1">
+              <a:lnSpc>
+                <a:spcPct val="90000"/>
+              </a:lnSpc>
+              <a:spcBef>
+                <a:spcPts val="800"/>
+              </a:spcBef>
+              <a:buClr>
+                <a:schemeClr val="tx1"/>
+              </a:buClr>
+              <a:buSzPct val="80000"/>
+              <a:buFont typeface="Wingdings" pitchFamily="2" charset="2"/>
+              <a:buChar char="§"/>
+              <a:defRPr sz="1600" kern="1200">
+                <a:solidFill>
+                  <a:schemeClr val="tx1"/>
+                </a:solidFill>
+                <a:latin typeface="+mn-lt"/>
+                <a:ea typeface="+mn-ea"/>
+                <a:cs typeface="+mn-cs"/>
+              </a:defRPr>
+            </a:lvl9pPr>
+          </a:lstStyle>
+          <a:p>
+            <a:r>
+              <a:rPr lang="en-US" sz="1600" dirty="0"/>
+              <a:t>-for more info…List location or contact for specification (or other related documents)</a:t>
             </a:r>
           </a:p>
         </p:txBody>
@@ -6866,20 +7330,20 @@
     </p:spTree>
     <p:extLst>
       <p:ext uri="{BB962C8B-B14F-4D97-AF65-F5344CB8AC3E}">
-        <p14:creationId xmlns:p14="http://schemas.microsoft.com/office/powerpoint/2010/main" val="515381222"/>
+        <p14:creationId xmlns:p14="http://schemas.microsoft.com/office/powerpoint/2010/main" val="1655357902"/>
       </p:ext>
     </p:extLst>
   </p:cSld>
   <p:clrMapOvr>
     <a:masterClrMapping/>
   </p:clrMapOvr>
-  <mc:AlternateContent xmlns:mc="http://schemas.openxmlformats.org/markup-compatibility/2006" xmlns:p14="http://schemas.microsoft.com/office/powerpoint/2010/main">
-    <mc:Choice Requires="p14">
+  <mc:AlternateContent xmlns:mc="http://schemas.openxmlformats.org/markup-compatibility/2006">
+    <mc:Choice xmlns:p14="http://schemas.microsoft.com/office/powerpoint/2010/main" Requires="p14">
       <p:transition spd="med" p14:dur="700">
         <p:fade/>
       </p:transition>
     </mc:Choice>
-    <mc:Fallback xmlns="">
+    <mc:Fallback>
       <p:transition spd="med">
         <p:fade/>
       </p:transition>
@@ -6922,7 +7386,7 @@
           <a:p>
             <a:r>
               <a:rPr lang="en-US" dirty="0"/>
-              <a:t>Related Documents</a:t>
+              <a:t>Team Members</a:t>
             </a:r>
           </a:p>
         </p:txBody>
@@ -6939,14 +7403,12 @@
         </p:nvSpPr>
         <p:spPr/>
         <p:txBody>
-          <a:bodyPr>
-            <a:normAutofit/>
-          </a:bodyPr>
+          <a:bodyPr/>
           <a:lstStyle/>
           <a:p>
             <a:r>
               <a:rPr lang="en-US" dirty="0"/>
-              <a:t>List all sources of research including the sources of the APIs</a:t>
+              <a:t>List each team member and their contribution</a:t>
             </a:r>
           </a:p>
         </p:txBody>
@@ -6954,7 +7416,7 @@
     </p:spTree>
     <p:extLst>
       <p:ext uri="{BB962C8B-B14F-4D97-AF65-F5344CB8AC3E}">
-        <p14:creationId xmlns:p14="http://schemas.microsoft.com/office/powerpoint/2010/main" val="897847061"/>
+        <p14:creationId xmlns:p14="http://schemas.microsoft.com/office/powerpoint/2010/main" val="515381222"/>
       </p:ext>
     </p:extLst>
   </p:cSld>
@@ -6995,13 +7457,7 @@
       </p:grpSpPr>
       <p:sp>
         <p:nvSpPr>
-          <p:cNvPr id="2" name="Title 1">
-            <a:extLst>
-              <a:ext uri="{FF2B5EF4-FFF2-40B4-BE49-F238E27FC236}">
-                <a16:creationId xmlns:a16="http://schemas.microsoft.com/office/drawing/2014/main" id="{33FA5385-8868-F65B-29B1-BCE7A49EFD8B}"/>
-              </a:ext>
-            </a:extLst>
-          </p:cNvPr>
+          <p:cNvPr id="3" name="Title 2"/>
           <p:cNvSpPr>
             <a:spLocks noGrp="1"/>
           </p:cNvSpPr>
@@ -7016,44 +7472,39 @@
           <a:p>
             <a:r>
               <a:rPr lang="en-US" dirty="0"/>
-              <a:t>Questions?</a:t>
-            </a:r>
-          </a:p>
-        </p:txBody>
-      </p:sp>
-      <p:pic>
-        <p:nvPicPr>
-          <p:cNvPr id="5" name="Content Placeholder 4">
-            <a:extLst>
-              <a:ext uri="{FF2B5EF4-FFF2-40B4-BE49-F238E27FC236}">
-                <a16:creationId xmlns:a16="http://schemas.microsoft.com/office/drawing/2014/main" id="{E5F85E22-F8A1-BE9B-CCB7-A6AA888F525E}"/>
-              </a:ext>
-            </a:extLst>
-          </p:cNvPr>
-          <p:cNvPicPr>
-            <a:picLocks noGrp="1" noChangeAspect="1"/>
-          </p:cNvPicPr>
+              <a:t>Related Documents</a:t>
+            </a:r>
+          </a:p>
+        </p:txBody>
+      </p:sp>
+      <p:sp>
+        <p:nvSpPr>
+          <p:cNvPr id="2" name="Content Placeholder 1"/>
+          <p:cNvSpPr>
+            <a:spLocks noGrp="1"/>
+          </p:cNvSpPr>
           <p:nvPr>
             <p:ph idx="1"/>
           </p:nvPr>
-        </p:nvPicPr>
-        <p:blipFill>
-          <a:blip r:embed="rId2"/>
-          <a:stretch>
-            <a:fillRect/>
-          </a:stretch>
-        </p:blipFill>
-        <p:spPr>
-          <a:xfrm>
-            <a:off x="4245769" y="1905000"/>
-            <a:ext cx="3697288" cy="3697288"/>
-          </a:xfrm>
-        </p:spPr>
-      </p:pic>
+        </p:nvSpPr>
+        <p:spPr/>
+        <p:txBody>
+          <a:bodyPr>
+            <a:normAutofit/>
+          </a:bodyPr>
+          <a:lstStyle/>
+          <a:p>
+            <a:r>
+              <a:rPr lang="en-US" dirty="0"/>
+              <a:t>List all sources of research including the sources of the APIs</a:t>
+            </a:r>
+          </a:p>
+        </p:txBody>
+      </p:sp>
     </p:spTree>
     <p:extLst>
       <p:ext uri="{BB962C8B-B14F-4D97-AF65-F5344CB8AC3E}">
-        <p14:creationId xmlns:p14="http://schemas.microsoft.com/office/powerpoint/2010/main" val="263344427"/>
+        <p14:creationId xmlns:p14="http://schemas.microsoft.com/office/powerpoint/2010/main" val="897847061"/>
       </p:ext>
     </p:extLst>
   </p:cSld>
